--- a/trunk/slides/Intro to SRIO.pptx
+++ b/trunk/slides/Intro to SRIO.pptx
@@ -391,7 +391,7 @@
             <a:pPr>
               <a:defRPr/>
             </a:pPr>
-            <a:fld id="{4BAE0793-7805-491F-B8A1-2E2FEDF8FE57}" type="slidenum">
+            <a:fld id="{0E398F16-FD28-41C7-96C6-68264F990B6A}" type="slidenum">
               <a:rPr lang="en-US"/>
               <a:pPr>
                 <a:defRPr/>
@@ -721,7 +721,7 @@
             <a:pPr>
               <a:defRPr/>
             </a:pPr>
-            <a:fld id="{E8AD19AA-3625-4EEB-8931-041B3934B28C}" type="slidenum">
+            <a:fld id="{3712B065-A3E9-43AC-8889-CCF40F95B1C4}" type="slidenum">
               <a:rPr lang="en-US"/>
               <a:pPr>
                 <a:defRPr/>
@@ -1077,7 +1077,7 @@
           <a:bodyPr/>
           <a:lstStyle/>
           <a:p>
-            <a:fld id="{A1FC88B8-2F96-4791-B4F5-1B1B905B67AD}" type="slidenum">
+            <a:fld id="{C4819F4B-838E-4EDC-AC30-663E317A84A8}" type="slidenum">
               <a:rPr lang="en-US" smtClean="0"/>
               <a:pPr/>
               <a:t>12</a:t>
@@ -1165,7 +1165,7 @@
           <a:bodyPr/>
           <a:lstStyle/>
           <a:p>
-            <a:fld id="{2C0D9A4A-A338-435C-9365-07F3C22483F5}" type="slidenum">
+            <a:fld id="{13882C4B-36BE-461E-BACF-EF861DCB8F72}" type="slidenum">
               <a:rPr lang="en-US" smtClean="0"/>
               <a:pPr/>
               <a:t>13</a:t>
@@ -1253,7 +1253,7 @@
           <a:bodyPr/>
           <a:lstStyle/>
           <a:p>
-            <a:fld id="{2E792EDC-A878-44A1-B6C5-37F4D1D4E7A8}" type="slidenum">
+            <a:fld id="{A667BF9C-176E-44C9-8AF2-CD993E49843A}" type="slidenum">
               <a:rPr lang="en-US" smtClean="0"/>
               <a:pPr/>
               <a:t>14</a:t>
@@ -1402,7 +1402,7 @@
           <a:bodyPr/>
           <a:lstStyle/>
           <a:p>
-            <a:fld id="{E4F2B1D1-0E37-411C-A88F-DEDA4C9D9C9D}" type="slidenum">
+            <a:fld id="{555D4AE8-6BE8-421F-A2B5-189892C321B3}" type="slidenum">
               <a:rPr lang="en-US" smtClean="0"/>
               <a:pPr/>
               <a:t>16</a:t>
@@ -1490,7 +1490,7 @@
           <a:bodyPr/>
           <a:lstStyle/>
           <a:p>
-            <a:fld id="{8C5A811C-9C4D-49E6-B28A-2BFC88E117CC}" type="slidenum">
+            <a:fld id="{972B2BCA-64E8-4E92-A3C3-A53477EEF2A7}" type="slidenum">
               <a:rPr lang="en-US" smtClean="0"/>
               <a:pPr/>
               <a:t>17</a:t>
@@ -1639,7 +1639,7 @@
           <a:bodyPr/>
           <a:lstStyle/>
           <a:p>
-            <a:fld id="{6CDC06F5-EF23-481F-A5BA-3953E9D1EC5F}" type="slidenum">
+            <a:fld id="{0DE32986-30B0-44C3-9BA5-500980ADE066}" type="slidenum">
               <a:rPr lang="en-US" smtClean="0"/>
               <a:pPr/>
               <a:t>19</a:t>
@@ -1788,7 +1788,7 @@
           <a:bodyPr/>
           <a:lstStyle/>
           <a:p>
-            <a:fld id="{70B0D627-50C9-4299-B5A6-42630211F840}" type="slidenum">
+            <a:fld id="{4BD0086E-C00D-4E31-92F7-92216ACC0E0B}" type="slidenum">
               <a:rPr lang="en-US" smtClean="0"/>
               <a:pPr/>
               <a:t>20</a:t>
@@ -1937,7 +1937,7 @@
           <a:bodyPr/>
           <a:lstStyle/>
           <a:p>
-            <a:fld id="{7D46FE51-C9B0-437F-8707-DB8C6D219169}" type="slidenum">
+            <a:fld id="{AD57CF80-4748-40CA-A8BF-EC8F8413461C}" type="slidenum">
               <a:rPr lang="en-US" smtClean="0"/>
               <a:pPr/>
               <a:t>22</a:t>
@@ -2086,7 +2086,7 @@
           <a:bodyPr/>
           <a:lstStyle/>
           <a:p>
-            <a:fld id="{ABC29C7E-9626-4450-8594-304682F3736B}" type="slidenum">
+            <a:fld id="{0E107E6C-7EE9-411E-A486-F7940BA04F76}" type="slidenum">
               <a:rPr lang="en-US" smtClean="0"/>
               <a:pPr/>
               <a:t>24</a:t>
@@ -2235,7 +2235,7 @@
           <a:bodyPr/>
           <a:lstStyle/>
           <a:p>
-            <a:fld id="{776A3066-3D8E-47B4-9B27-0F18D61986D3}" type="slidenum">
+            <a:fld id="{00149EC7-C30E-4FE6-81EC-BE80F616A25A}" type="slidenum">
               <a:rPr lang="en-US" smtClean="0"/>
               <a:pPr/>
               <a:t>26</a:t>
@@ -2872,7 +2872,7 @@
           <a:bodyPr/>
           <a:lstStyle/>
           <a:p>
-            <a:fld id="{02FBCA90-BED7-4C89-A529-3F6405F1738F}" type="slidenum">
+            <a:fld id="{0A8AE094-FE6D-4E50-8D02-D356A74E11CD}" type="slidenum">
               <a:rPr lang="en-US" smtClean="0"/>
               <a:pPr/>
               <a:t>5</a:t>
@@ -2960,7 +2960,7 @@
           <a:bodyPr/>
           <a:lstStyle/>
           <a:p>
-            <a:fld id="{0792D028-C0C4-48DB-A6F3-F6D12A570CAB}" type="slidenum">
+            <a:fld id="{F058F59C-E4DC-498C-9D29-367FA80C03D5}" type="slidenum">
               <a:rPr lang="en-US" smtClean="0"/>
               <a:pPr/>
               <a:t>6</a:t>
@@ -3547,7 +3547,7 @@
             <a:pPr>
               <a:defRPr/>
             </a:pPr>
-            <a:fld id="{AFE142D5-DA38-4FB2-B9C2-7AA6E1CEBBCE}" type="slidenum">
+            <a:fld id="{B7A08B5B-2320-4691-A7DF-24003A785B95}" type="slidenum">
               <a:rPr lang="en-US"/>
               <a:pPr>
                 <a:defRPr/>
@@ -3757,7 +3757,7 @@
             <a:pPr>
               <a:defRPr/>
             </a:pPr>
-            <a:fld id="{8D9F5B4C-96A4-4E44-9F08-B46598DA0C66}" type="slidenum">
+            <a:fld id="{D197FC4B-4A99-400F-A629-CB8D47B73344}" type="slidenum">
               <a:rPr lang="en-US"/>
               <a:pPr>
                 <a:defRPr/>
@@ -3967,7 +3967,7 @@
             <a:pPr>
               <a:defRPr/>
             </a:pPr>
-            <a:fld id="{57638FD9-2622-464D-9712-E1DC64CA084C}" type="slidenum">
+            <a:fld id="{C65834EC-ADFD-4A91-9FD9-DC7026E7EB99}" type="slidenum">
               <a:rPr lang="en-US"/>
               <a:pPr>
                 <a:defRPr/>
@@ -4088,7 +4088,7 @@
             <a:pPr>
               <a:defRPr/>
             </a:pPr>
-            <a:fld id="{8BE77CAE-FE8F-45A2-88A8-EF85F999522B}" type="slidenum">
+            <a:fld id="{1C7E9991-8913-499C-AF86-B2D8BDD96134}" type="slidenum">
               <a:rPr lang="en-US"/>
               <a:pPr>
                 <a:defRPr/>

--- a/trunk/slides/Intro to SRIO.pptx
+++ b/trunk/slides/Intro to SRIO.pptx
@@ -391,7 +391,7 @@
             <a:pPr>
               <a:defRPr/>
             </a:pPr>
-            <a:fld id="{0E398F16-FD28-41C7-96C6-68264F990B6A}" type="slidenum">
+            <a:fld id="{D6AC95DB-EFB3-4D9C-AED3-1190648B4451}" type="slidenum">
               <a:rPr lang="en-US"/>
               <a:pPr>
                 <a:defRPr/>
@@ -721,7 +721,7 @@
             <a:pPr>
               <a:defRPr/>
             </a:pPr>
-            <a:fld id="{3712B065-A3E9-43AC-8889-CCF40F95B1C4}" type="slidenum">
+            <a:fld id="{5CDC4F56-79D6-4E22-BFBA-791CB25FAE17}" type="slidenum">
               <a:rPr lang="en-US"/>
               <a:pPr>
                 <a:defRPr/>
@@ -1077,7 +1077,7 @@
           <a:bodyPr/>
           <a:lstStyle/>
           <a:p>
-            <a:fld id="{C4819F4B-838E-4EDC-AC30-663E317A84A8}" type="slidenum">
+            <a:fld id="{7CB83C67-FCE2-47EC-B060-08315DA7B447}" type="slidenum">
               <a:rPr lang="en-US" smtClean="0"/>
               <a:pPr/>
               <a:t>12</a:t>
@@ -1165,7 +1165,7 @@
           <a:bodyPr/>
           <a:lstStyle/>
           <a:p>
-            <a:fld id="{13882C4B-36BE-461E-BACF-EF861DCB8F72}" type="slidenum">
+            <a:fld id="{22F0194A-6CB0-4414-9163-0905BB193A9E}" type="slidenum">
               <a:rPr lang="en-US" smtClean="0"/>
               <a:pPr/>
               <a:t>13</a:t>
@@ -1253,7 +1253,7 @@
           <a:bodyPr/>
           <a:lstStyle/>
           <a:p>
-            <a:fld id="{A667BF9C-176E-44C9-8AF2-CD993E49843A}" type="slidenum">
+            <a:fld id="{AE186B46-053A-491D-AAAF-9AD3A4587B97}" type="slidenum">
               <a:rPr lang="en-US" smtClean="0"/>
               <a:pPr/>
               <a:t>14</a:t>
@@ -1402,7 +1402,7 @@
           <a:bodyPr/>
           <a:lstStyle/>
           <a:p>
-            <a:fld id="{555D4AE8-6BE8-421F-A2B5-189892C321B3}" type="slidenum">
+            <a:fld id="{F7419E0A-0BE6-4846-9411-775D2A81669A}" type="slidenum">
               <a:rPr lang="en-US" smtClean="0"/>
               <a:pPr/>
               <a:t>16</a:t>
@@ -1490,7 +1490,7 @@
           <a:bodyPr/>
           <a:lstStyle/>
           <a:p>
-            <a:fld id="{972B2BCA-64E8-4E92-A3C3-A53477EEF2A7}" type="slidenum">
+            <a:fld id="{CD6DE839-BBEF-47B9-981B-DC66E58D7DCE}" type="slidenum">
               <a:rPr lang="en-US" smtClean="0"/>
               <a:pPr/>
               <a:t>17</a:t>
@@ -1639,7 +1639,7 @@
           <a:bodyPr/>
           <a:lstStyle/>
           <a:p>
-            <a:fld id="{0DE32986-30B0-44C3-9BA5-500980ADE066}" type="slidenum">
+            <a:fld id="{A2327375-D30E-4A99-A2B4-CBCACAFCF877}" type="slidenum">
               <a:rPr lang="en-US" smtClean="0"/>
               <a:pPr/>
               <a:t>19</a:t>
@@ -1788,7 +1788,7 @@
           <a:bodyPr/>
           <a:lstStyle/>
           <a:p>
-            <a:fld id="{4BD0086E-C00D-4E31-92F7-92216ACC0E0B}" type="slidenum">
+            <a:fld id="{A5CE4864-22A8-4FDF-A571-DA4A7B1CDCD5}" type="slidenum">
               <a:rPr lang="en-US" smtClean="0"/>
               <a:pPr/>
               <a:t>20</a:t>
@@ -1937,7 +1937,7 @@
           <a:bodyPr/>
           <a:lstStyle/>
           <a:p>
-            <a:fld id="{AD57CF80-4748-40CA-A8BF-EC8F8413461C}" type="slidenum">
+            <a:fld id="{BA919079-E3D0-4DFF-B3F5-D56FA29A5CC6}" type="slidenum">
               <a:rPr lang="en-US" smtClean="0"/>
               <a:pPr/>
               <a:t>22</a:t>
@@ -2086,7 +2086,7 @@
           <a:bodyPr/>
           <a:lstStyle/>
           <a:p>
-            <a:fld id="{0E107E6C-7EE9-411E-A486-F7940BA04F76}" type="slidenum">
+            <a:fld id="{695F3D17-53F6-4FA5-9674-48F8FF772DC9}" type="slidenum">
               <a:rPr lang="en-US" smtClean="0"/>
               <a:pPr/>
               <a:t>24</a:t>
@@ -2235,7 +2235,7 @@
           <a:bodyPr/>
           <a:lstStyle/>
           <a:p>
-            <a:fld id="{00149EC7-C30E-4FE6-81EC-BE80F616A25A}" type="slidenum">
+            <a:fld id="{0515F371-055E-4E30-85AD-213312AE4B50}" type="slidenum">
               <a:rPr lang="en-US" smtClean="0"/>
               <a:pPr/>
               <a:t>26</a:t>
@@ -2872,7 +2872,7 @@
           <a:bodyPr/>
           <a:lstStyle/>
           <a:p>
-            <a:fld id="{0A8AE094-FE6D-4E50-8D02-D356A74E11CD}" type="slidenum">
+            <a:fld id="{A119A0EA-3815-4BEC-BF6F-A17F7B3A1051}" type="slidenum">
               <a:rPr lang="en-US" smtClean="0"/>
               <a:pPr/>
               <a:t>5</a:t>
@@ -2960,7 +2960,7 @@
           <a:bodyPr/>
           <a:lstStyle/>
           <a:p>
-            <a:fld id="{F058F59C-E4DC-498C-9D29-367FA80C03D5}" type="slidenum">
+            <a:fld id="{BCD2E578-C0E9-4165-9A32-FF979787A030}" type="slidenum">
               <a:rPr lang="en-US" smtClean="0"/>
               <a:pPr/>
               <a:t>6</a:t>
@@ -3547,7 +3547,7 @@
             <a:pPr>
               <a:defRPr/>
             </a:pPr>
-            <a:fld id="{B7A08B5B-2320-4691-A7DF-24003A785B95}" type="slidenum">
+            <a:fld id="{2BE95D2B-4908-4904-961C-8814FFBBF399}" type="slidenum">
               <a:rPr lang="en-US"/>
               <a:pPr>
                 <a:defRPr/>
@@ -3757,7 +3757,7 @@
             <a:pPr>
               <a:defRPr/>
             </a:pPr>
-            <a:fld id="{D197FC4B-4A99-400F-A629-CB8D47B73344}" type="slidenum">
+            <a:fld id="{79976272-5EE7-43B1-88D5-0DFA2A719D48}" type="slidenum">
               <a:rPr lang="en-US"/>
               <a:pPr>
                 <a:defRPr/>
@@ -3967,7 +3967,7 @@
             <a:pPr>
               <a:defRPr/>
             </a:pPr>
-            <a:fld id="{C65834EC-ADFD-4A91-9FD9-DC7026E7EB99}" type="slidenum">
+            <a:fld id="{7397A90B-9D95-496C-9CFE-6A53F2E49691}" type="slidenum">
               <a:rPr lang="en-US"/>
               <a:pPr>
                 <a:defRPr/>
@@ -4088,7 +4088,7 @@
             <a:pPr>
               <a:defRPr/>
             </a:pPr>
-            <a:fld id="{1C7E9991-8913-499C-AF86-B2D8BDD96134}" type="slidenum">
+            <a:fld id="{8DC9EE2E-05A6-4D44-A763-C79C996851C5}" type="slidenum">
               <a:rPr lang="en-US"/>
               <a:pPr>
                 <a:defRPr/>
@@ -4518,13 +4518,13 @@
   </p:cSld>
   <p:clrMap bg1="lt1" tx1="dk1" bg2="lt2" tx2="dk2" accent1="accent1" accent2="accent2" accent3="accent3" accent4="accent4" accent5="accent5" accent6="accent6" hlink="hlink" folHlink="folHlink"/>
   <p:sldLayoutIdLst>
-    <p:sldLayoutId id="2147483892" r:id="rId1"/>
-    <p:sldLayoutId id="2147483893" r:id="rId2"/>
-    <p:sldLayoutId id="2147483894" r:id="rId3"/>
-    <p:sldLayoutId id="2147483895" r:id="rId4"/>
-    <p:sldLayoutId id="2147483896" r:id="rId5"/>
-    <p:sldLayoutId id="2147483890" r:id="rId6"/>
-    <p:sldLayoutId id="2147483891" r:id="rId7"/>
+    <p:sldLayoutId id="2147483904" r:id="rId1"/>
+    <p:sldLayoutId id="2147483905" r:id="rId2"/>
+    <p:sldLayoutId id="2147483906" r:id="rId3"/>
+    <p:sldLayoutId id="2147483907" r:id="rId4"/>
+    <p:sldLayoutId id="2147483908" r:id="rId5"/>
+    <p:sldLayoutId id="2147483902" r:id="rId6"/>
+    <p:sldLayoutId id="2147483903" r:id="rId7"/>
   </p:sldLayoutIdLst>
   <p:hf sldNum="0" hdr="0" ftr="0" dt="0"/>
   <p:txStyles>
@@ -15921,9 +15921,9 @@
                 <a:gd name="T2" fmla="*/ 4026 w 4026"/>
                 <a:gd name="T3" fmla="*/ 0 h 108"/>
                 <a:gd name="T4" fmla="*/ 4026 w 4026"/>
-                <a:gd name="T5" fmla="*/ 2766 h 108"/>
+                <a:gd name="T5" fmla="*/ 4149 h 108"/>
                 <a:gd name="T6" fmla="*/ 0 w 4026"/>
-                <a:gd name="T7" fmla="*/ 2766 h 108"/>
+                <a:gd name="T7" fmla="*/ 4149 h 108"/>
                 <a:gd name="T8" fmla="*/ 0 w 4026"/>
                 <a:gd name="T9" fmla="*/ 0 h 108"/>
                 <a:gd name="T10" fmla="*/ 0 60000 65536"/>
@@ -20818,7 +20818,10 @@
             <a:avLst/>
           </a:prstGeom>
           <a:solidFill>
-            <a:srgbClr val="FB6757"/>
+            <a:schemeClr val="accent2">
+              <a:lumMod val="20000"/>
+              <a:lumOff val="80000"/>
+            </a:schemeClr>
           </a:solidFill>
           <a:ln w="9525">
             <a:solidFill>
@@ -20833,6 +20836,9 @@
           <a:bodyPr wrap="none" anchor="ctr"/>
           <a:lstStyle/>
           <a:p>
+            <a:pPr>
+              <a:defRPr/>
+            </a:pPr>
             <a:endParaRPr lang="en-US"/>
           </a:p>
         </p:txBody>
@@ -20854,7 +20860,10 @@
             <a:avLst/>
           </a:prstGeom>
           <a:solidFill>
-            <a:srgbClr val="528CC6"/>
+            <a:schemeClr val="tx2">
+              <a:lumMod val="20000"/>
+              <a:lumOff val="80000"/>
+            </a:schemeClr>
           </a:solidFill>
           <a:ln w="9525">
             <a:solidFill>
@@ -20869,6 +20878,9 @@
           <a:bodyPr wrap="none" anchor="ctr"/>
           <a:lstStyle/>
           <a:p>
+            <a:pPr>
+              <a:defRPr/>
+            </a:pPr>
             <a:endParaRPr lang="en-US"/>
           </a:p>
         </p:txBody>
@@ -20933,7 +20945,7 @@
             <a:r>
               <a:rPr lang="en-US" sz="1600" smtClean="0">
                 <a:solidFill>
-                  <a:srgbClr val="B2B2B2"/>
+                  <a:srgbClr val="0070C0"/>
                 </a:solidFill>
               </a:rPr>
               <a:t>RapidIO 1.2 Compliant</a:t>
@@ -21003,7 +21015,7 @@
             <a:r>
               <a:rPr lang="en-US" sz="1600" smtClean="0">
                 <a:solidFill>
-                  <a:srgbClr val="AAAAAA"/>
+                  <a:srgbClr val="0070C0"/>
                 </a:solidFill>
               </a:rPr>
               <a:t>Data rates up to 3.125 Gbaud</a:t>
@@ -21037,7 +21049,7 @@
             <a:r>
               <a:rPr lang="en-US" sz="1600" smtClean="0">
                 <a:solidFill>
-                  <a:srgbClr val="B2B2B2"/>
+                  <a:srgbClr val="0070C0"/>
                 </a:solidFill>
               </a:rPr>
               <a:t>8 Interrupt outputs</a:t>
@@ -21056,22 +21068,10 @@
             <a:r>
               <a:rPr lang="en-US" sz="1600" smtClean="0">
                 <a:solidFill>
-                  <a:srgbClr val="AAAAAA"/>
+                  <a:srgbClr val="0070C0"/>
                 </a:solidFill>
               </a:rPr>
-              <a:t>single</a:t>
-            </a:r>
-            <a:r>
-              <a:rPr lang="en-US" sz="1600" smtClean="0"/>
-              <a:t> </a:t>
-            </a:r>
-            <a:r>
-              <a:rPr lang="en-US" sz="1600" smtClean="0">
-                <a:solidFill>
-                  <a:srgbClr val="AAAAAA"/>
-                </a:solidFill>
-              </a:rPr>
-              <a:t>4 KB LSU transaction size</a:t>
+              <a:t>single 4 KB LSU transaction size</a:t>
             </a:r>
           </a:p>
           <a:p>
@@ -21109,7 +21109,7 @@
             <a:r>
               <a:rPr lang="en-US" sz="1600" smtClean="0">
                 <a:solidFill>
-                  <a:srgbClr val="AAAAAA"/>
+                  <a:srgbClr val="0070C0"/>
                 </a:solidFill>
               </a:rPr>
               <a:t>Round-robin scheduler</a:t>
@@ -21150,7 +21150,7 @@
             <a:r>
               <a:rPr lang="en-US" sz="1600" smtClean="0">
                 <a:solidFill>
-                  <a:srgbClr val="B2B2B2"/>
+                  <a:srgbClr val="0070C0"/>
                 </a:solidFill>
               </a:rPr>
               <a:t>1 Local DeviceID &amp; 3 Multicast IDs</a:t>
@@ -22485,7 +22485,7 @@
   <p:tag name="ARTICULATE_REFERENCE_TITLE_1" val="Nyquist_Shannon_RapidIO.pdf"/>
   <p:tag name="ARTICULATE_REFERENCE_1" val="F:\MM\ShNy Internal Training\Day1\PDF\Nyquist_Shannon_RapidIO.pdf"/>
   <p:tag name="ARTICULATE_AUDIO_TEMP" val="C:\DOCUME~1\a0850458\LOCALS~1\Temp\articulate\presenter\ae\audio\20110810133553\"/>
-  <p:tag name="ARTICULATE_PROJECT_OPEN" val="1"/>
+  <p:tag name="ARTICULATE_PROJECT_OPEN" val="0"/>
 </p:tagLst>
 </file>
 

--- a/trunk/slides/Intro to SRIO.pptx
+++ b/trunk/slides/Intro to SRIO.pptx
@@ -533,7 +533,7 @@
         <p:nvSpPr>
           <p:cNvPr id="40964" name="Rectangle 4"/>
           <p:cNvSpPr>
-            <a:spLocks noRot="1" noChangeArrowheads="1" noTextEdit="1"/>
+            <a:spLocks noGrp="1" noRot="1" noChangeAspect="1" noChangeArrowheads="1" noTextEdit="1"/>
           </p:cNvSpPr>
           <p:nvPr>
             <p:ph type="sldImg" idx="2"/>
@@ -881,7 +881,7 @@
         <p:nvSpPr>
           <p:cNvPr id="41986" name="Rectangle 2"/>
           <p:cNvSpPr>
-            <a:spLocks noRot="1" noChangeArrowheads="1" noTextEdit="1"/>
+            <a:spLocks noGrp="1" noRot="1" noChangeAspect="1" noChangeArrowheads="1" noTextEdit="1"/>
           </p:cNvSpPr>
           <p:nvPr>
             <p:ph type="sldImg"/>
@@ -942,7 +942,7 @@
         <p:nvSpPr>
           <p:cNvPr id="51202" name="Rectangle 2"/>
           <p:cNvSpPr>
-            <a:spLocks noRot="1" noChangeArrowheads="1" noTextEdit="1"/>
+            <a:spLocks noGrp="1" noRot="1" noChangeAspect="1" noChangeArrowheads="1" noTextEdit="1"/>
           </p:cNvSpPr>
           <p:nvPr>
             <p:ph type="sldImg"/>
@@ -1003,7 +1003,7 @@
         <p:nvSpPr>
           <p:cNvPr id="52226" name="Rectangle 2"/>
           <p:cNvSpPr>
-            <a:spLocks noRot="1" noChangeArrowheads="1" noTextEdit="1"/>
+            <a:spLocks noGrp="1" noRot="1" noChangeAspect="1" noChangeArrowheads="1" noTextEdit="1"/>
           </p:cNvSpPr>
           <p:nvPr>
             <p:ph type="sldImg"/>
@@ -1090,7 +1090,7 @@
         <p:nvSpPr>
           <p:cNvPr id="53251" name="Rectangle 2"/>
           <p:cNvSpPr>
-            <a:spLocks noRot="1" noChangeArrowheads="1" noTextEdit="1"/>
+            <a:spLocks noGrp="1" noRot="1" noChangeAspect="1" noChangeArrowheads="1" noTextEdit="1"/>
           </p:cNvSpPr>
           <p:nvPr>
             <p:ph type="sldImg"/>
@@ -1178,7 +1178,7 @@
         <p:nvSpPr>
           <p:cNvPr id="54275" name="Rectangle 2"/>
           <p:cNvSpPr>
-            <a:spLocks noRot="1" noChangeArrowheads="1" noTextEdit="1"/>
+            <a:spLocks noGrp="1" noRot="1" noChangeAspect="1" noChangeArrowheads="1" noTextEdit="1"/>
           </p:cNvSpPr>
           <p:nvPr>
             <p:ph type="sldImg"/>
@@ -1266,7 +1266,7 @@
         <p:nvSpPr>
           <p:cNvPr id="55299" name="Rectangle 2"/>
           <p:cNvSpPr>
-            <a:spLocks noRot="1" noChangeArrowheads="1" noTextEdit="1"/>
+            <a:spLocks noGrp="1" noRot="1" noChangeAspect="1" noChangeArrowheads="1" noTextEdit="1"/>
           </p:cNvSpPr>
           <p:nvPr>
             <p:ph type="sldImg"/>
@@ -1328,7 +1328,7 @@
         <p:nvSpPr>
           <p:cNvPr id="56322" name="Rectangle 2"/>
           <p:cNvSpPr>
-            <a:spLocks noRot="1" noChangeArrowheads="1" noTextEdit="1"/>
+            <a:spLocks noGrp="1" noRot="1" noChangeAspect="1" noChangeArrowheads="1" noTextEdit="1"/>
           </p:cNvSpPr>
           <p:nvPr>
             <p:ph type="sldImg"/>
@@ -1415,7 +1415,7 @@
         <p:nvSpPr>
           <p:cNvPr id="57347" name="Rectangle 2"/>
           <p:cNvSpPr>
-            <a:spLocks noRot="1" noChangeArrowheads="1" noTextEdit="1"/>
+            <a:spLocks noGrp="1" noRot="1" noChangeAspect="1" noChangeArrowheads="1" noTextEdit="1"/>
           </p:cNvSpPr>
           <p:nvPr>
             <p:ph type="sldImg"/>
@@ -1503,7 +1503,7 @@
         <p:nvSpPr>
           <p:cNvPr id="58371" name="Rectangle 2"/>
           <p:cNvSpPr>
-            <a:spLocks noRot="1" noChangeArrowheads="1" noTextEdit="1"/>
+            <a:spLocks noGrp="1" noRot="1" noChangeAspect="1" noChangeArrowheads="1" noTextEdit="1"/>
           </p:cNvSpPr>
           <p:nvPr>
             <p:ph type="sldImg"/>
@@ -1565,7 +1565,7 @@
         <p:nvSpPr>
           <p:cNvPr id="59394" name="Rectangle 2"/>
           <p:cNvSpPr>
-            <a:spLocks noRot="1" noChangeArrowheads="1" noTextEdit="1"/>
+            <a:spLocks noGrp="1" noRot="1" noChangeAspect="1" noChangeArrowheads="1" noTextEdit="1"/>
           </p:cNvSpPr>
           <p:nvPr>
             <p:ph type="sldImg"/>
@@ -1652,7 +1652,7 @@
         <p:nvSpPr>
           <p:cNvPr id="60419" name="Rectangle 2"/>
           <p:cNvSpPr>
-            <a:spLocks noRot="1" noChangeArrowheads="1" noTextEdit="1"/>
+            <a:spLocks noGrp="1" noRot="1" noChangeAspect="1" noChangeArrowheads="1" noTextEdit="1"/>
           </p:cNvSpPr>
           <p:nvPr>
             <p:ph type="sldImg"/>
@@ -1714,7 +1714,7 @@
         <p:nvSpPr>
           <p:cNvPr id="43010" name="Rectangle 2"/>
           <p:cNvSpPr>
-            <a:spLocks noRot="1" noChangeArrowheads="1" noTextEdit="1"/>
+            <a:spLocks noGrp="1" noRot="1" noChangeAspect="1" noChangeArrowheads="1" noTextEdit="1"/>
           </p:cNvSpPr>
           <p:nvPr>
             <p:ph type="sldImg"/>
@@ -1801,7 +1801,7 @@
         <p:nvSpPr>
           <p:cNvPr id="61443" name="Rectangle 2"/>
           <p:cNvSpPr>
-            <a:spLocks noRot="1" noChangeArrowheads="1" noTextEdit="1"/>
+            <a:spLocks noGrp="1" noRot="1" noChangeAspect="1" noChangeArrowheads="1" noTextEdit="1"/>
           </p:cNvSpPr>
           <p:nvPr>
             <p:ph type="sldImg"/>
@@ -1863,7 +1863,7 @@
         <p:nvSpPr>
           <p:cNvPr id="62466" name="Rectangle 2"/>
           <p:cNvSpPr>
-            <a:spLocks noRot="1" noChangeArrowheads="1" noTextEdit="1"/>
+            <a:spLocks noGrp="1" noRot="1" noChangeAspect="1" noChangeArrowheads="1" noTextEdit="1"/>
           </p:cNvSpPr>
           <p:nvPr>
             <p:ph type="sldImg"/>
@@ -1950,7 +1950,7 @@
         <p:nvSpPr>
           <p:cNvPr id="63491" name="Rectangle 2"/>
           <p:cNvSpPr>
-            <a:spLocks noRot="1" noChangeArrowheads="1" noTextEdit="1"/>
+            <a:spLocks noGrp="1" noRot="1" noChangeAspect="1" noChangeArrowheads="1" noTextEdit="1"/>
           </p:cNvSpPr>
           <p:nvPr>
             <p:ph type="sldImg"/>
@@ -2012,7 +2012,7 @@
         <p:nvSpPr>
           <p:cNvPr id="64514" name="Rectangle 2"/>
           <p:cNvSpPr>
-            <a:spLocks noRot="1" noChangeArrowheads="1" noTextEdit="1"/>
+            <a:spLocks noGrp="1" noRot="1" noChangeAspect="1" noChangeArrowheads="1" noTextEdit="1"/>
           </p:cNvSpPr>
           <p:nvPr>
             <p:ph type="sldImg"/>
@@ -2099,7 +2099,7 @@
         <p:nvSpPr>
           <p:cNvPr id="65539" name="Rectangle 2"/>
           <p:cNvSpPr>
-            <a:spLocks noRot="1" noChangeArrowheads="1" noTextEdit="1"/>
+            <a:spLocks noGrp="1" noRot="1" noChangeAspect="1" noChangeArrowheads="1" noTextEdit="1"/>
           </p:cNvSpPr>
           <p:nvPr>
             <p:ph type="sldImg"/>
@@ -2161,7 +2161,7 @@
         <p:nvSpPr>
           <p:cNvPr id="66562" name="Rectangle 2"/>
           <p:cNvSpPr>
-            <a:spLocks noRot="1" noChangeArrowheads="1" noTextEdit="1"/>
+            <a:spLocks noGrp="1" noRot="1" noChangeAspect="1" noChangeArrowheads="1" noTextEdit="1"/>
           </p:cNvSpPr>
           <p:nvPr>
             <p:ph type="sldImg"/>
@@ -2248,7 +2248,7 @@
         <p:nvSpPr>
           <p:cNvPr id="67587" name="Rectangle 2"/>
           <p:cNvSpPr>
-            <a:spLocks noRot="1" noChangeArrowheads="1" noTextEdit="1"/>
+            <a:spLocks noGrp="1" noRot="1" noChangeAspect="1" noChangeArrowheads="1" noTextEdit="1"/>
           </p:cNvSpPr>
           <p:nvPr>
             <p:ph type="sldImg"/>
@@ -2310,7 +2310,7 @@
         <p:nvSpPr>
           <p:cNvPr id="68610" name="Rectangle 2"/>
           <p:cNvSpPr>
-            <a:spLocks noRot="1" noChangeArrowheads="1" noTextEdit="1"/>
+            <a:spLocks noGrp="1" noRot="1" noChangeAspect="1" noChangeArrowheads="1" noTextEdit="1"/>
           </p:cNvSpPr>
           <p:nvPr>
             <p:ph type="sldImg"/>
@@ -2371,7 +2371,7 @@
         <p:nvSpPr>
           <p:cNvPr id="69634" name="Rectangle 2"/>
           <p:cNvSpPr>
-            <a:spLocks noRot="1" noChangeArrowheads="1" noTextEdit="1"/>
+            <a:spLocks noGrp="1" noRot="1" noChangeAspect="1" noChangeArrowheads="1" noTextEdit="1"/>
           </p:cNvSpPr>
           <p:nvPr>
             <p:ph type="sldImg"/>
@@ -2432,7 +2432,7 @@
         <p:nvSpPr>
           <p:cNvPr id="70658" name="Rectangle 2"/>
           <p:cNvSpPr>
-            <a:spLocks noRot="1" noChangeArrowheads="1" noTextEdit="1"/>
+            <a:spLocks noGrp="1" noRot="1" noChangeAspect="1" noChangeArrowheads="1" noTextEdit="1"/>
           </p:cNvSpPr>
           <p:nvPr>
             <p:ph type="sldImg"/>
@@ -2493,7 +2493,7 @@
         <p:nvSpPr>
           <p:cNvPr id="44034" name="Rectangle 2"/>
           <p:cNvSpPr>
-            <a:spLocks noRot="1" noChangeArrowheads="1" noTextEdit="1"/>
+            <a:spLocks noGrp="1" noRot="1" noChangeAspect="1" noChangeArrowheads="1" noTextEdit="1"/>
           </p:cNvSpPr>
           <p:nvPr>
             <p:ph type="sldImg"/>
@@ -2554,7 +2554,7 @@
         <p:nvSpPr>
           <p:cNvPr id="71682" name="Rectangle 2"/>
           <p:cNvSpPr>
-            <a:spLocks noRot="1" noChangeArrowheads="1" noTextEdit="1"/>
+            <a:spLocks noGrp="1" noRot="1" noChangeAspect="1" noChangeArrowheads="1" noTextEdit="1"/>
           </p:cNvSpPr>
           <p:nvPr>
             <p:ph type="sldImg"/>
@@ -2615,7 +2615,7 @@
         <p:nvSpPr>
           <p:cNvPr id="72706" name="Rectangle 2"/>
           <p:cNvSpPr>
-            <a:spLocks noRot="1" noChangeArrowheads="1" noTextEdit="1"/>
+            <a:spLocks noGrp="1" noRot="1" noChangeAspect="1" noChangeArrowheads="1" noTextEdit="1"/>
           </p:cNvSpPr>
           <p:nvPr>
             <p:ph type="sldImg"/>
@@ -2676,7 +2676,7 @@
         <p:nvSpPr>
           <p:cNvPr id="73730" name="Rectangle 2"/>
           <p:cNvSpPr>
-            <a:spLocks noRot="1" noChangeArrowheads="1" noTextEdit="1"/>
+            <a:spLocks noGrp="1" noRot="1" noChangeAspect="1" noChangeArrowheads="1" noTextEdit="1"/>
           </p:cNvSpPr>
           <p:nvPr>
             <p:ph type="sldImg"/>
@@ -2737,7 +2737,7 @@
         <p:nvSpPr>
           <p:cNvPr id="74754" name="Rectangle 2"/>
           <p:cNvSpPr>
-            <a:spLocks noRot="1" noChangeArrowheads="1" noTextEdit="1"/>
+            <a:spLocks noGrp="1" noRot="1" noChangeAspect="1" noChangeArrowheads="1" noTextEdit="1"/>
           </p:cNvSpPr>
           <p:nvPr>
             <p:ph type="sldImg"/>
@@ -2798,7 +2798,7 @@
         <p:nvSpPr>
           <p:cNvPr id="45058" name="Rectangle 2"/>
           <p:cNvSpPr>
-            <a:spLocks noRot="1" noChangeArrowheads="1" noTextEdit="1"/>
+            <a:spLocks noGrp="1" noRot="1" noChangeAspect="1" noChangeArrowheads="1" noTextEdit="1"/>
           </p:cNvSpPr>
           <p:nvPr>
             <p:ph type="sldImg"/>
@@ -2885,7 +2885,7 @@
         <p:nvSpPr>
           <p:cNvPr id="46083" name="Rectangle 2"/>
           <p:cNvSpPr>
-            <a:spLocks noRot="1" noChangeArrowheads="1" noTextEdit="1"/>
+            <a:spLocks noGrp="1" noRot="1" noChangeAspect="1" noChangeArrowheads="1" noTextEdit="1"/>
           </p:cNvSpPr>
           <p:nvPr>
             <p:ph type="sldImg"/>
@@ -2973,7 +2973,7 @@
         <p:nvSpPr>
           <p:cNvPr id="47107" name="Rectangle 2"/>
           <p:cNvSpPr>
-            <a:spLocks noRot="1" noChangeArrowheads="1" noTextEdit="1"/>
+            <a:spLocks noGrp="1" noRot="1" noChangeAspect="1" noChangeArrowheads="1" noTextEdit="1"/>
           </p:cNvSpPr>
           <p:nvPr>
             <p:ph type="sldImg"/>
@@ -3035,7 +3035,7 @@
         <p:nvSpPr>
           <p:cNvPr id="48130" name="Rectangle 2"/>
           <p:cNvSpPr>
-            <a:spLocks noRot="1" noChangeArrowheads="1" noTextEdit="1"/>
+            <a:spLocks noGrp="1" noRot="1" noChangeAspect="1" noChangeArrowheads="1" noTextEdit="1"/>
           </p:cNvSpPr>
           <p:nvPr>
             <p:ph type="sldImg"/>
@@ -3096,7 +3096,7 @@
         <p:nvSpPr>
           <p:cNvPr id="49154" name="Rectangle 2"/>
           <p:cNvSpPr>
-            <a:spLocks noRot="1" noChangeArrowheads="1" noTextEdit="1"/>
+            <a:spLocks noGrp="1" noRot="1" noChangeAspect="1" noChangeArrowheads="1" noTextEdit="1"/>
           </p:cNvSpPr>
           <p:nvPr>
             <p:ph type="sldImg"/>
@@ -3157,7 +3157,7 @@
         <p:nvSpPr>
           <p:cNvPr id="50178" name="Rectangle 2"/>
           <p:cNvSpPr>
-            <a:spLocks noRot="1" noChangeArrowheads="1" noTextEdit="1"/>
+            <a:spLocks noGrp="1" noRot="1" noChangeAspect="1" noChangeArrowheads="1" noTextEdit="1"/>
           </p:cNvSpPr>
           <p:nvPr>
             <p:ph type="sldImg"/>
@@ -3517,7 +3517,7 @@
       </p:sp>
       <p:sp>
         <p:nvSpPr>
-          <p:cNvPr id="4" name="Rectangle 3"/>
+          <p:cNvPr id="4" name="Slide Number Placeholder 3"/>
           <p:cNvSpPr>
             <a:spLocks noGrp="1" noChangeArrowheads="1"/>
           </p:cNvSpPr>
@@ -3727,7 +3727,7 @@
       </p:sp>
       <p:sp>
         <p:nvSpPr>
-          <p:cNvPr id="5" name="Rectangle 4"/>
+          <p:cNvPr id="5" name="Slide Number Placeholder 4"/>
           <p:cNvSpPr>
             <a:spLocks noGrp="1" noChangeArrowheads="1"/>
           </p:cNvSpPr>
@@ -3937,7 +3937,7 @@
       </p:sp>
       <p:sp>
         <p:nvSpPr>
-          <p:cNvPr id="5" name="Rectangle 4"/>
+          <p:cNvPr id="5" name="Slide Number Placeholder 4"/>
           <p:cNvSpPr>
             <a:spLocks noGrp="1" noChangeArrowheads="1"/>
           </p:cNvSpPr>
@@ -4058,7 +4058,7 @@
       </p:sp>
       <p:sp>
         <p:nvSpPr>
-          <p:cNvPr id="4" name="Rectangle 3"/>
+          <p:cNvPr id="4" name="Slide Number Placeholder 3"/>
           <p:cNvSpPr>
             <a:spLocks noGrp="1" noChangeArrowheads="1"/>
           </p:cNvSpPr>
@@ -4943,9 +4943,28 @@
           <a:p>
             <a:pPr eaLnBrk="1" hangingPunct="1"/>
             <a:r>
-              <a:rPr lang="en-US" smtClean="0"/>
-              <a:t>Serial RapidIO (SRIO) Subsystem</a:t>
-            </a:r>
+              <a:rPr lang="en-US" dirty="0" smtClean="0"/>
+              <a:t>Serial RapidIO (SRIO) </a:t>
+            </a:r>
+            <a:r>
+              <a:rPr lang="en-US" dirty="0" smtClean="0"/>
+              <a:t>Subsystem</a:t>
+            </a:r>
+            <a:br>
+              <a:rPr lang="en-US" dirty="0" smtClean="0"/>
+            </a:br>
+            <a:r>
+              <a:rPr lang="en-US" dirty="0" smtClean="0"/>
+              <a:t/>
+            </a:r>
+            <a:br>
+              <a:rPr lang="en-US" dirty="0" smtClean="0"/>
+            </a:br>
+            <a:r>
+              <a:rPr lang="en-US" sz="1400" dirty="0" smtClean="0"/>
+              <a:t>Ran</a:t>
+            </a:r>
+            <a:endParaRPr lang="en-US" sz="1400" dirty="0" smtClean="0"/>
           </a:p>
         </p:txBody>
       </p:sp>

--- a/trunk/slides/Intro to SRIO.pptx
+++ b/trunk/slides/Intro to SRIO.pptx
@@ -4944,26 +4944,18 @@
             <a:pPr eaLnBrk="1" hangingPunct="1"/>
             <a:r>
               <a:rPr lang="en-US" dirty="0" smtClean="0"/>
-              <a:t>Serial RapidIO (SRIO) </a:t>
-            </a:r>
-            <a:r>
-              <a:rPr lang="en-US" dirty="0" smtClean="0"/>
-              <a:t>Subsystem</a:t>
+              <a:t>Serial RapidIO (SRIO) Subsystem</a:t>
             </a:r>
             <a:br>
               <a:rPr lang="en-US" dirty="0" smtClean="0"/>
             </a:br>
             <a:r>
-              <a:rPr lang="en-US" dirty="0" smtClean="0"/>
+              <a:rPr lang="en-US" smtClean="0"/>
               <a:t/>
             </a:r>
             <a:br>
-              <a:rPr lang="en-US" dirty="0" smtClean="0"/>
+              <a:rPr lang="en-US" smtClean="0"/>
             </a:br>
-            <a:r>
-              <a:rPr lang="en-US" sz="1400" dirty="0" smtClean="0"/>
-              <a:t>Ran</a:t>
-            </a:r>
             <a:endParaRPr lang="en-US" sz="1400" dirty="0" smtClean="0"/>
           </a:p>
         </p:txBody>

--- a/trunk/slides/Intro to SRIO.pptx
+++ b/trunk/slides/Intro to SRIO.pptx
@@ -20311,7 +20311,7 @@
               </a:lnSpc>
             </a:pPr>
             <a:r>
-              <a:rPr lang="en-US" smtClean="0"/>
+              <a:rPr lang="en-US" dirty="0" smtClean="0"/>
               <a:t>C66x SRIO has been enhanced to deliver:</a:t>
             </a:r>
           </a:p>
@@ -20322,7 +20322,7 @@
               </a:lnSpc>
             </a:pPr>
             <a:r>
-              <a:rPr lang="en-US" smtClean="0"/>
+              <a:rPr lang="en-US" dirty="0" smtClean="0"/>
               <a:t>Higher performance</a:t>
             </a:r>
           </a:p>
@@ -20333,7 +20333,7 @@
               </a:lnSpc>
             </a:pPr>
             <a:r>
-              <a:rPr lang="en-US" smtClean="0"/>
+              <a:rPr lang="en-US" dirty="0" smtClean="0"/>
               <a:t>New transaction types</a:t>
             </a:r>
           </a:p>
@@ -20344,7 +20344,7 @@
               </a:lnSpc>
             </a:pPr>
             <a:r>
-              <a:rPr lang="en-US" smtClean="0"/>
+              <a:rPr lang="en-US" dirty="0" smtClean="0"/>
               <a:t>Less required CPU interaction per transaction</a:t>
             </a:r>
           </a:p>
@@ -20355,7 +20355,7 @@
               </a:lnSpc>
             </a:pPr>
             <a:r>
-              <a:rPr lang="en-US" smtClean="0"/>
+              <a:rPr lang="en-US" dirty="0" smtClean="0"/>
               <a:t>Better deterministic scheduling</a:t>
             </a:r>
           </a:p>
@@ -20366,7 +20366,7 @@
               </a:lnSpc>
             </a:pPr>
             <a:r>
-              <a:rPr lang="en-US" smtClean="0"/>
+              <a:rPr lang="en-US" dirty="0" smtClean="0"/>
               <a:t>More flexibility and system support with increased number of IDs</a:t>
             </a:r>
           </a:p>
@@ -20377,7 +20377,7 @@
               </a:lnSpc>
             </a:pPr>
             <a:r>
-              <a:rPr lang="en-US" smtClean="0"/>
+              <a:rPr lang="en-US" dirty="0" smtClean="0"/>
               <a:t>For more information:</a:t>
             </a:r>
           </a:p>
@@ -20388,12 +20388,24 @@
               </a:lnSpc>
             </a:pPr>
             <a:r>
-              <a:rPr lang="en-US" smtClean="0">
+              <a:rPr lang="en-US" dirty="0" smtClean="0">
                 <a:hlinkClick r:id="rId3"/>
               </a:rPr>
-              <a:t>Serial RapidIO (SRIO) for KeyStone Devices User Guide</a:t>
-            </a:r>
-            <a:endParaRPr lang="en-US" smtClean="0"/>
+              <a:t>Serial </a:t>
+            </a:r>
+            <a:r>
+              <a:rPr lang="en-US" dirty="0" err="1" smtClean="0">
+                <a:hlinkClick r:id="rId3"/>
+              </a:rPr>
+              <a:t>RapidIO</a:t>
+            </a:r>
+            <a:r>
+              <a:rPr lang="en-US" dirty="0" smtClean="0">
+                <a:hlinkClick r:id="rId3"/>
+              </a:rPr>
+              <a:t> (SRIO) for KeyStone Devices User Guide</a:t>
+            </a:r>
+            <a:endParaRPr lang="en-US" dirty="0" smtClean="0"/>
           </a:p>
           <a:p>
             <a:pPr lvl="1">
@@ -20402,17 +20414,17 @@
               </a:lnSpc>
             </a:pPr>
             <a:r>
-              <a:rPr lang="en-US" smtClean="0"/>
+              <a:rPr lang="en-US" dirty="0" smtClean="0"/>
               <a:t>Support forums at the </a:t>
             </a:r>
             <a:r>
-              <a:rPr lang="en-US" smtClean="0">
+              <a:rPr lang="en-US" dirty="0" smtClean="0">
                 <a:hlinkClick r:id="rId4"/>
               </a:rPr>
               <a:t>TI E2E Community</a:t>
             </a:r>
             <a:r>
-              <a:rPr lang="en-US" smtClean="0"/>
+              <a:rPr lang="en-US" dirty="0" smtClean="0"/>
               <a:t> website</a:t>
             </a:r>
           </a:p>
